--- a/MLDL2018FallFinalProposal.pptx
+++ b/MLDL2018FallFinalProposal.pptx
@@ -123,12 +123,12 @@
   <pc:docChgLst>
     <pc:chgData name="Jinwoo Nam" userId="827d05854c2473a1" providerId="LiveId" clId="{8C884FBB-60FE-4186-830A-FBC4DFC4B9B0}"/>
     <pc:docChg chg="modSld">
-      <pc:chgData name="Jinwoo Nam" userId="827d05854c2473a1" providerId="LiveId" clId="{8C884FBB-60FE-4186-830A-FBC4DFC4B9B0}" dt="2018-11-13T12:49:03.827" v="3" actId="1037"/>
+      <pc:chgData name="Jinwoo Nam" userId="827d05854c2473a1" providerId="LiveId" clId="{8C884FBB-60FE-4186-830A-FBC4DFC4B9B0}" dt="2018-11-13T12:49:58.838" v="25" actId="1038"/>
       <pc:docMkLst>
         <pc:docMk/>
       </pc:docMkLst>
       <pc:sldChg chg="modSp">
-        <pc:chgData name="Jinwoo Nam" userId="827d05854c2473a1" providerId="LiveId" clId="{8C884FBB-60FE-4186-830A-FBC4DFC4B9B0}" dt="2018-11-13T12:49:03.827" v="3" actId="1037"/>
+        <pc:chgData name="Jinwoo Nam" userId="827d05854c2473a1" providerId="LiveId" clId="{8C884FBB-60FE-4186-830A-FBC4DFC4B9B0}" dt="2018-11-13T12:49:58.838" v="25" actId="1038"/>
         <pc:sldMkLst>
           <pc:docMk/>
           <pc:sldMk cId="389172945" sldId="256"/>
@@ -139,6 +139,14 @@
             <pc:docMk/>
             <pc:sldMk cId="389172945" sldId="256"/>
             <ac:spMk id="8" creationId="{722BA852-8915-40B5-9C5E-7D005CB7B9B0}"/>
+          </ac:spMkLst>
+        </pc:spChg>
+        <pc:spChg chg="mod">
+          <ac:chgData name="Jinwoo Nam" userId="827d05854c2473a1" providerId="LiveId" clId="{8C884FBB-60FE-4186-830A-FBC4DFC4B9B0}" dt="2018-11-13T12:49:58.838" v="25" actId="1038"/>
+          <ac:spMkLst>
+            <pc:docMk/>
+            <pc:sldMk cId="389172945" sldId="256"/>
+            <ac:spMk id="9" creationId="{AE504245-D402-491E-8B8D-025A7A8D64C8}"/>
           </ac:spMkLst>
         </pc:spChg>
       </pc:sldChg>
@@ -3661,8 +3669,8 @@
         </p:nvSpPr>
         <p:spPr>
           <a:xfrm>
-            <a:off x="4835646" y="3652125"/>
-            <a:ext cx="2582182" cy="446276"/>
+            <a:off x="5074182" y="3652125"/>
+            <a:ext cx="2030749" cy="446276"/>
           </a:xfrm>
           <a:prstGeom prst="rect">
             <a:avLst/>
@@ -3683,17 +3691,7 @@
                 <a:latin typeface="나눔고딕 ExtraBold" panose="020B0600000101010101" charset="-127"/>
                 <a:ea typeface="나눔고딕 ExtraBold" panose="020B0600000101010101" charset="-127"/>
               </a:rPr>
-              <a:t>Team </a:t>
-            </a:r>
-            <a:r>
-              <a:rPr lang="en-US" altLang="ko-KR" sz="2300" b="1" dirty="0" err="1">
-                <a:solidFill>
-                  <a:schemeClr val="bg1"/>
-                </a:solidFill>
-                <a:latin typeface="나눔고딕 ExtraBold" panose="020B0600000101010101" charset="-127"/>
-                <a:ea typeface="나눔고딕 ExtraBold" panose="020B0600000101010101" charset="-127"/>
-              </a:rPr>
-              <a:t>MuffinTime</a:t>
+              <a:t>Team Hotdog</a:t>
             </a:r>
             <a:endParaRPr lang="ko-KR" altLang="en-US" sz="2300" b="1" dirty="0">
               <a:solidFill>
